--- a/Lecture#17/Lecture_17_presentation.pptx
+++ b/Lecture#17/Lecture_17_presentation.pptx
@@ -4083,349 +4083,148 @@
         <p:spPr>
           <a:xfrm>
             <a:off x="444500" y="1362075"/>
-            <a:ext cx="9245600" cy="5089525"/>
+            <a:ext cx="9245600" cy="5495925"/>
           </a:xfrm>
         </p:spPr>
         <p:txBody>
           <a:bodyPr/>
           <a:lstStyle/>
           <a:p>
-            <a:r>
-              <a:rPr lang="en-US" sz="2400" b="1" dirty="0">
-                <a:ea typeface="Courier" charset="0"/>
-                <a:cs typeface="Courier" charset="0"/>
-              </a:rPr>
-              <a:t>similar to </a:t>
-            </a:r>
-            <a:r>
-              <a:rPr lang="en-US" sz="2400" b="1" dirty="0" err="1">
-                <a:ea typeface="Courier" charset="0"/>
-                <a:cs typeface="Courier" charset="0"/>
-              </a:rPr>
-              <a:t>struct</a:t>
-            </a:r>
-            <a:r>
-              <a:rPr lang="en-US" sz="2400" b="1" dirty="0">
-                <a:ea typeface="Courier" charset="0"/>
-                <a:cs typeface="Courier" charset="0"/>
-              </a:rPr>
-              <a:t>, but members of the union share the same memory location</a:t>
-            </a:r>
-          </a:p>
-          <a:p>
-            <a:pPr marL="0" indent="0">
-              <a:buNone/>
-            </a:pPr>
-            <a:endParaRPr lang="en-US" sz="1100" dirty="0">
-              <a:latin typeface="Courier" charset="0"/>
-              <a:ea typeface="Courier" charset="0"/>
-              <a:cs typeface="Courier" charset="0"/>
-            </a:endParaRPr>
-          </a:p>
-          <a:p>
-            <a:pPr marL="0" indent="0">
-              <a:buNone/>
-            </a:pPr>
-            <a:r>
-              <a:rPr lang="en-US" sz="1800" b="1" dirty="0" err="1">
-                <a:latin typeface="Courier" charset="0"/>
-                <a:ea typeface="Courier" charset="0"/>
-                <a:cs typeface="Courier" charset="0"/>
-              </a:rPr>
-              <a:t>typedef</a:t>
-            </a:r>
-            <a:r>
-              <a:rPr lang="en-US" sz="1800" b="1" dirty="0">
-                <a:latin typeface="Courier" charset="0"/>
-                <a:ea typeface="Courier" charset="0"/>
-                <a:cs typeface="Courier" charset="0"/>
-              </a:rPr>
-              <a:t> union </a:t>
-            </a:r>
-            <a:r>
-              <a:rPr lang="en-US" sz="1800" b="1" dirty="0" err="1">
-                <a:latin typeface="Courier" charset="0"/>
-                <a:ea typeface="Courier" charset="0"/>
-                <a:cs typeface="Courier" charset="0"/>
-              </a:rPr>
-              <a:t>StudentUnion</a:t>
-            </a:r>
+            <a:pPr lvl="0"/>
+            <a:r>
+              <a:rPr lang="en-US" sz="2400" dirty="0"/>
+              <a:t>a </a:t>
+            </a:r>
+            <a:r>
+              <a:rPr lang="en-US" sz="2400" b="1" dirty="0"/>
+              <a:t>union</a:t>
+            </a:r>
+            <a:r>
+              <a:rPr lang="en-US" sz="2400" dirty="0"/>
+              <a:t> data type is similar to a struct, however, it defines a single location in memory that can be given many different names</a:t>
+            </a:r>
+          </a:p>
+          <a:p>
+            <a:pPr lvl="0"/>
+            <a:r>
+              <a:rPr lang="en-US" sz="2400" dirty="0"/>
+              <a:t>Example:</a:t>
+            </a:r>
+          </a:p>
+          <a:p>
+            <a:pPr lvl="1"/>
+            <a:r>
+              <a:rPr lang="en-US" sz="2400" dirty="0"/>
+              <a:t>union </a:t>
+            </a:r>
+            <a:r>
+              <a:rPr lang="en-US" sz="2400" dirty="0" err="1"/>
+              <a:t>valueUnion</a:t>
+            </a:r>
+            <a:br>
+              <a:rPr lang="en-US" sz="2400" dirty="0"/>
+            </a:br>
+            <a:r>
+              <a:rPr lang="en-US" sz="2400" dirty="0"/>
+              <a:t>{</a:t>
+            </a:r>
+            <a:br>
+              <a:rPr lang="en-US" sz="2400" dirty="0"/>
+            </a:br>
+            <a:r>
+              <a:rPr lang="en-US" sz="2400" dirty="0"/>
+              <a:t>    long int </a:t>
+            </a:r>
+            <a:r>
+              <a:rPr lang="en-US" sz="2400" dirty="0" err="1"/>
+              <a:t>i_value</a:t>
+            </a:r>
+            <a:r>
+              <a:rPr lang="en-US" sz="2400" dirty="0"/>
+              <a:t>;</a:t>
+            </a:r>
+            <a:br>
+              <a:rPr lang="en-US" sz="2400" dirty="0"/>
+            </a:br>
+            <a:r>
+              <a:rPr lang="en-US" sz="2400" dirty="0"/>
+              <a:t>    float </a:t>
+            </a:r>
+            <a:r>
+              <a:rPr lang="en-US" sz="2400" dirty="0" err="1"/>
+              <a:t>f_value</a:t>
+            </a:r>
+            <a:r>
+              <a:rPr lang="en-US" sz="2400" dirty="0"/>
+              <a:t>;</a:t>
+            </a:r>
+            <a:br>
+              <a:rPr lang="en-US" sz="2400" dirty="0"/>
+            </a:br>
+            <a:r>
+              <a:rPr lang="en-US" sz="2400" dirty="0"/>
+              <a:t>}</a:t>
+            </a:r>
+            <a:br>
+              <a:rPr lang="en-US" sz="2400" dirty="0"/>
+            </a:br>
+            <a:br>
+              <a:rPr lang="en-US" sz="2400" dirty="0"/>
+            </a:br>
+            <a:r>
+              <a:rPr lang="en-US" sz="2400" dirty="0"/>
+              <a:t>union </a:t>
+            </a:r>
+            <a:r>
+              <a:rPr lang="en-US" sz="2400" dirty="0" err="1"/>
+              <a:t>valueUnion</a:t>
+            </a:r>
+            <a:r>
+              <a:rPr lang="en-US" sz="2400" dirty="0"/>
+              <a:t> v;</a:t>
+            </a:r>
+            <a:br>
+              <a:rPr lang="en-US" sz="2400" dirty="0"/>
+            </a:br>
+            <a:br>
+              <a:rPr lang="en-US" sz="2400" dirty="0"/>
+            </a:br>
+            <a:r>
+              <a:rPr lang="en-US" sz="2400" dirty="0" err="1"/>
+              <a:t>v.i_value</a:t>
+            </a:r>
+            <a:r>
+              <a:rPr lang="en-US" sz="2400" dirty="0"/>
+              <a:t> = 5;   /* holds integer  */</a:t>
+            </a:r>
+            <a:br>
+              <a:rPr lang="en-US" sz="2400" dirty="0"/>
+            </a:br>
+            <a:r>
+              <a:rPr lang="en-US" sz="2400" dirty="0" err="1"/>
+              <a:t>v.f_value</a:t>
+            </a:r>
+            <a:r>
+              <a:rPr lang="en-US" sz="2400" dirty="0"/>
+              <a:t> = 5.25f;  /* now holds float */</a:t>
+            </a:r>
+            <a:br>
+              <a:rPr lang="en-US" sz="2400" dirty="0"/>
+            </a:br>
+            <a:r>
+              <a:rPr lang="en-US" sz="2400" dirty="0"/>
+              <a:t>/* but not both! */</a:t>
+            </a:r>
+          </a:p>
+          <a:p>
+            <a:pPr marL="0" indent="0">
+              <a:buNone/>
+            </a:pPr>
             <a:endParaRPr lang="en-US" sz="1800" b="1" dirty="0">
               <a:latin typeface="Courier" charset="0"/>
               <a:ea typeface="Courier" charset="0"/>
               <a:cs typeface="Courier" charset="0"/>
             </a:endParaRPr>
-          </a:p>
-          <a:p>
-            <a:pPr marL="0" indent="0">
-              <a:buNone/>
-            </a:pPr>
-            <a:r>
-              <a:rPr lang="en-US" sz="1800" b="1" dirty="0">
-                <a:latin typeface="Courier" charset="0"/>
-                <a:ea typeface="Courier" charset="0"/>
-                <a:cs typeface="Courier" charset="0"/>
-              </a:rPr>
-              <a:t>{</a:t>
-            </a:r>
-          </a:p>
-          <a:p>
-            <a:pPr marL="0" indent="0">
-              <a:buNone/>
-            </a:pPr>
-            <a:r>
-              <a:rPr lang="de-DE" sz="1800" b="1" dirty="0">
-                <a:latin typeface="Courier" charset="0"/>
-                <a:ea typeface="Courier" charset="0"/>
-                <a:cs typeface="Courier" charset="0"/>
-              </a:rPr>
-              <a:t>        </a:t>
-            </a:r>
-            <a:r>
-              <a:rPr lang="de-DE" sz="1800" b="1" dirty="0" err="1">
-                <a:latin typeface="Courier" charset="0"/>
-                <a:ea typeface="Courier" charset="0"/>
-                <a:cs typeface="Courier" charset="0"/>
-              </a:rPr>
-              <a:t>char</a:t>
-            </a:r>
-            <a:r>
-              <a:rPr lang="de-DE" sz="1800" b="1" dirty="0">
-                <a:latin typeface="Courier" charset="0"/>
-                <a:ea typeface="Courier" charset="0"/>
-                <a:cs typeface="Courier" charset="0"/>
-              </a:rPr>
-              <a:t> Name[100];</a:t>
-            </a:r>
-          </a:p>
-          <a:p>
-            <a:pPr marL="0" indent="0">
-              <a:buNone/>
-            </a:pPr>
-            <a:r>
-              <a:rPr lang="ro-RO" sz="1800" b="1" dirty="0">
-                <a:latin typeface="Courier" charset="0"/>
-                <a:ea typeface="Courier" charset="0"/>
-                <a:cs typeface="Courier" charset="0"/>
-              </a:rPr>
-              <a:t>        </a:t>
-            </a:r>
-            <a:r>
-              <a:rPr lang="ro-RO" sz="1800" b="1" dirty="0" err="1">
-                <a:latin typeface="Courier" charset="0"/>
-                <a:ea typeface="Courier" charset="0"/>
-                <a:cs typeface="Courier" charset="0"/>
-              </a:rPr>
-              <a:t>int</a:t>
-            </a:r>
-            <a:r>
-              <a:rPr lang="ro-RO" sz="1800" b="1" dirty="0">
-                <a:latin typeface="Courier" charset="0"/>
-                <a:ea typeface="Courier" charset="0"/>
-                <a:cs typeface="Courier" charset="0"/>
-              </a:rPr>
-              <a:t> UIN;</a:t>
-            </a:r>
-          </a:p>
-          <a:p>
-            <a:pPr marL="0" indent="0">
-              <a:buNone/>
-            </a:pPr>
-            <a:r>
-              <a:rPr lang="ro-RO" sz="1800" b="1" dirty="0">
-                <a:latin typeface="Courier" charset="0"/>
-                <a:ea typeface="Courier" charset="0"/>
-                <a:cs typeface="Courier" charset="0"/>
-              </a:rPr>
-              <a:t>        </a:t>
-            </a:r>
-            <a:r>
-              <a:rPr lang="ro-RO" sz="1800" b="1" dirty="0" err="1">
-                <a:latin typeface="Courier" charset="0"/>
-                <a:ea typeface="Courier" charset="0"/>
-                <a:cs typeface="Courier" charset="0"/>
-              </a:rPr>
-              <a:t>float</a:t>
-            </a:r>
-            <a:r>
-              <a:rPr lang="ro-RO" sz="1800" b="1" dirty="0">
-                <a:latin typeface="Courier" charset="0"/>
-                <a:ea typeface="Courier" charset="0"/>
-                <a:cs typeface="Courier" charset="0"/>
-              </a:rPr>
-              <a:t> GPA;</a:t>
-            </a:r>
-          </a:p>
-          <a:p>
-            <a:pPr marL="0" indent="0">
-              <a:buNone/>
-            </a:pPr>
-            <a:r>
-              <a:rPr lang="ro-RO" sz="1800" b="1" dirty="0">
-                <a:latin typeface="Courier" charset="0"/>
-                <a:ea typeface="Courier" charset="0"/>
-                <a:cs typeface="Courier" charset="0"/>
-              </a:rPr>
-              <a:t>}</a:t>
-            </a:r>
-            <a:r>
-              <a:rPr lang="ro-RO" sz="1800" b="1" dirty="0" err="1">
-                <a:latin typeface="Courier" charset="0"/>
-                <a:ea typeface="Courier" charset="0"/>
-                <a:cs typeface="Courier" charset="0"/>
-              </a:rPr>
-              <a:t>studentU</a:t>
-            </a:r>
-            <a:r>
-              <a:rPr lang="ro-RO" sz="1800" b="1" dirty="0">
-                <a:latin typeface="Courier" charset="0"/>
-                <a:ea typeface="Courier" charset="0"/>
-                <a:cs typeface="Courier" charset="0"/>
-              </a:rPr>
-              <a:t>;</a:t>
-            </a:r>
-          </a:p>
-          <a:p>
-            <a:pPr marL="0" indent="0">
-              <a:buNone/>
-            </a:pPr>
-            <a:r>
-              <a:rPr lang="ro-RO" sz="1800" b="1" dirty="0">
-                <a:solidFill>
-                  <a:srgbClr val="C00000"/>
-                </a:solidFill>
-                <a:latin typeface="Courier" charset="0"/>
-                <a:ea typeface="Courier" charset="0"/>
-                <a:cs typeface="Courier" charset="0"/>
-              </a:rPr>
-              <a:t>//What’s the size of </a:t>
-            </a:r>
-            <a:r>
-              <a:rPr lang="en-US" sz="1800" b="1" dirty="0">
-                <a:solidFill>
-                  <a:srgbClr val="C00000"/>
-                </a:solidFill>
-                <a:latin typeface="Courier" charset="0"/>
-                <a:ea typeface="Courier" charset="0"/>
-                <a:cs typeface="Courier" charset="0"/>
-              </a:rPr>
-              <a:t>s</a:t>
-            </a:r>
-            <a:r>
-              <a:rPr lang="ro-RO" sz="1800" b="1" dirty="0" err="1">
-                <a:solidFill>
-                  <a:srgbClr val="C00000"/>
-                </a:solidFill>
-                <a:latin typeface="Courier" charset="0"/>
-                <a:ea typeface="Courier" charset="0"/>
-                <a:cs typeface="Courier" charset="0"/>
-              </a:rPr>
-              <a:t>tudentU</a:t>
-            </a:r>
-            <a:r>
-              <a:rPr lang="ro-RO" sz="1800" b="1" dirty="0">
-                <a:solidFill>
-                  <a:srgbClr val="C00000"/>
-                </a:solidFill>
-                <a:latin typeface="Courier" charset="0"/>
-                <a:ea typeface="Courier" charset="0"/>
-                <a:cs typeface="Courier" charset="0"/>
-              </a:rPr>
-              <a:t>? </a:t>
-            </a:r>
-          </a:p>
-          <a:p>
-            <a:pPr marL="0" indent="0">
-              <a:buNone/>
-            </a:pPr>
-            <a:endParaRPr lang="en-US" sz="1800" b="1" dirty="0">
-              <a:latin typeface="Courier" charset="0"/>
-              <a:ea typeface="Courier" charset="0"/>
-              <a:cs typeface="Courier" charset="0"/>
-            </a:endParaRPr>
-          </a:p>
-          <a:p>
-            <a:pPr marL="0" indent="0">
-              <a:buNone/>
-            </a:pPr>
-            <a:endParaRPr lang="en-US" sz="1800" b="1" dirty="0">
-              <a:latin typeface="Courier" charset="0"/>
-              <a:ea typeface="Courier" charset="0"/>
-              <a:cs typeface="Courier" charset="0"/>
-            </a:endParaRPr>
-          </a:p>
-          <a:p>
-            <a:pPr marL="0" indent="0">
-              <a:buNone/>
-            </a:pPr>
-            <a:r>
-              <a:rPr lang="ro-RO" sz="1800" b="1" dirty="0">
-                <a:solidFill>
-                  <a:srgbClr val="C00000"/>
-                </a:solidFill>
-                <a:latin typeface="Courier" charset="0"/>
-                <a:ea typeface="Courier" charset="0"/>
-                <a:cs typeface="Courier" charset="0"/>
-              </a:rPr>
-              <a:t>//What would happen if we do this:</a:t>
-            </a:r>
-            <a:endParaRPr lang="en-US" sz="1800" b="1" dirty="0">
-              <a:latin typeface="Courier" charset="0"/>
-              <a:ea typeface="Courier" charset="0"/>
-              <a:cs typeface="Courier" charset="0"/>
-            </a:endParaRPr>
-          </a:p>
-          <a:p>
-            <a:pPr marL="0" indent="0">
-              <a:buNone/>
-            </a:pPr>
-            <a:r>
-              <a:rPr lang="en-US" sz="1800" b="1" dirty="0" err="1">
-                <a:latin typeface="Courier" charset="0"/>
-                <a:ea typeface="Courier" charset="0"/>
-                <a:cs typeface="Courier" charset="0"/>
-              </a:rPr>
-              <a:t>studentU</a:t>
-            </a:r>
-            <a:r>
-              <a:rPr lang="en-US" sz="1800" b="1" dirty="0">
-                <a:latin typeface="Courier" charset="0"/>
-                <a:ea typeface="Courier" charset="0"/>
-                <a:cs typeface="Courier" charset="0"/>
-              </a:rPr>
-              <a:t> s1;</a:t>
-            </a:r>
-            <a:endParaRPr lang="ro-RO" sz="1800" b="1" dirty="0">
-              <a:latin typeface="Courier" charset="0"/>
-              <a:ea typeface="Courier" charset="0"/>
-              <a:cs typeface="Courier" charset="0"/>
-            </a:endParaRPr>
-          </a:p>
-          <a:p>
-            <a:pPr marL="0" indent="0">
-              <a:buNone/>
-            </a:pPr>
-            <a:r>
-              <a:rPr lang="en-US" sz="1800" b="1" dirty="0">
-                <a:latin typeface="Courier" charset="0"/>
-                <a:ea typeface="Courier" charset="0"/>
-                <a:cs typeface="Courier" charset="0"/>
-              </a:rPr>
-              <a:t>s1.UIN = 123456789;</a:t>
-            </a:r>
-          </a:p>
-          <a:p>
-            <a:pPr marL="0" indent="0">
-              <a:buNone/>
-            </a:pPr>
-            <a:r>
-              <a:rPr lang="en-US" sz="1800" b="1" dirty="0">
-                <a:latin typeface="Courier" charset="0"/>
-                <a:ea typeface="Courier" charset="0"/>
-                <a:cs typeface="Courier" charset="0"/>
-              </a:rPr>
-              <a:t>s1.GPA = 3.89;</a:t>
-            </a:r>
           </a:p>
         </p:txBody>
       </p:sp>

--- a/Lecture#17/Lecture_17_presentation.pptx
+++ b/Lecture#17/Lecture_17_presentation.pptx
@@ -4683,14 +4683,14 @@
               <a:buNone/>
             </a:pPr>
             <a:r>
-              <a:rPr lang="en-US" sz="1800" b="1" dirty="0">
+              <a:rPr lang="en-US" sz="2400" b="1" dirty="0">
                 <a:latin typeface="Courier" charset="0"/>
                 <a:ea typeface="Courier" charset="0"/>
                 <a:cs typeface="Courier" charset="0"/>
               </a:rPr>
               <a:t>student ece220[200];					</a:t>
             </a:r>
-            <a:endParaRPr lang="en-US" sz="1800" b="1" dirty="0">
+            <a:endParaRPr lang="en-US" sz="2400" b="1" dirty="0">
               <a:solidFill>
                 <a:srgbClr val="0070C0"/>
               </a:solidFill>
@@ -4703,21 +4703,18 @@
             <a:pPr marL="0" indent="0">
               <a:buNone/>
             </a:pPr>
-            <a:r>
-              <a:rPr lang="en-US" sz="1800" b="1" dirty="0">
-                <a:latin typeface="Courier" charset="0"/>
-                <a:ea typeface="Courier" charset="0"/>
-                <a:cs typeface="Courier" charset="0"/>
-              </a:rPr>
-              <a:t>student s1;</a:t>
-            </a:r>
-          </a:p>
-          <a:p>
-            <a:pPr marL="0" indent="0">
-              <a:buNone/>
-            </a:pPr>
-            <a:r>
-              <a:rPr lang="en-US" sz="1800" b="1" dirty="0">
+            <a:endParaRPr lang="en-US" sz="2400" b="1" dirty="0">
+              <a:latin typeface="Courier" charset="0"/>
+              <a:ea typeface="Courier" charset="0"/>
+              <a:cs typeface="Courier" charset="0"/>
+            </a:endParaRPr>
+          </a:p>
+          <a:p>
+            <a:pPr marL="0" indent="0">
+              <a:buNone/>
+            </a:pPr>
+            <a:r>
+              <a:rPr lang="en-US" sz="2400" b="1" dirty="0">
                 <a:latin typeface="Courier" charset="0"/>
                 <a:ea typeface="Courier" charset="0"/>
                 <a:cs typeface="Courier" charset="0"/>
@@ -4725,7 +4722,7 @@
               <a:t>student *</a:t>
             </a:r>
             <a:r>
-              <a:rPr lang="en-US" sz="1800" b="1" dirty="0" err="1">
+              <a:rPr lang="en-US" sz="2400" b="1" dirty="0" err="1">
                 <a:latin typeface="Courier" charset="0"/>
                 <a:ea typeface="Courier" charset="0"/>
                 <a:cs typeface="Courier" charset="0"/>
@@ -4733,20 +4730,20 @@
               <a:t>ptr</a:t>
             </a:r>
             <a:r>
-              <a:rPr lang="en-US" sz="1800" b="1" dirty="0">
-                <a:latin typeface="Courier" charset="0"/>
-                <a:ea typeface="Courier" charset="0"/>
-                <a:cs typeface="Courier" charset="0"/>
-              </a:rPr>
-              <a:t>, *ptr2;	</a:t>
-            </a:r>
-          </a:p>
-          <a:p>
-            <a:pPr marL="0" indent="0">
-              <a:buNone/>
-            </a:pPr>
-            <a:r>
-              <a:rPr lang="en-US" sz="1800" b="1" dirty="0" err="1">
+              <a:rPr lang="en-US" sz="2400" b="1" dirty="0">
+                <a:latin typeface="Courier" charset="0"/>
+                <a:ea typeface="Courier" charset="0"/>
+                <a:cs typeface="Courier" charset="0"/>
+              </a:rPr>
+              <a:t>;	</a:t>
+            </a:r>
+          </a:p>
+          <a:p>
+            <a:pPr marL="0" indent="0">
+              <a:buNone/>
+            </a:pPr>
+            <a:r>
+              <a:rPr lang="en-US" sz="2400" b="1" dirty="0" err="1">
                 <a:effectLst>
                   <a:outerShdw blurRad="38100" dist="38100" dir="2700000" algn="tl">
                     <a:srgbClr val="000000">
@@ -4761,7 +4758,7 @@
               <a:t>ptr</a:t>
             </a:r>
             <a:r>
-              <a:rPr lang="en-US" sz="1800" b="1" dirty="0">
+              <a:rPr lang="en-US" sz="2400" b="1" dirty="0">
                 <a:effectLst>
                   <a:outerShdw blurRad="38100" dist="38100" dir="2700000" algn="tl">
                     <a:srgbClr val="000000">
@@ -4776,7 +4773,7 @@
               <a:t> = ece220; </a:t>
             </a:r>
             <a:r>
-              <a:rPr lang="en-US" sz="1800" b="1" dirty="0">
+              <a:rPr lang="en-US" sz="2400" b="1" dirty="0">
                 <a:solidFill>
                   <a:srgbClr val="C00000"/>
                 </a:solidFill>
@@ -4794,7 +4791,7 @@
               <a:t>//pointer to a </a:t>
             </a:r>
             <a:r>
-              <a:rPr lang="en-US" sz="1800" b="1" dirty="0" err="1">
+              <a:rPr lang="en-US" sz="2400" b="1" dirty="0" err="1">
                 <a:solidFill>
                   <a:srgbClr val="C00000"/>
                 </a:solidFill>
@@ -4812,7 +4809,7 @@
               <a:t>struct</a:t>
             </a:r>
             <a:r>
-              <a:rPr lang="en-US" sz="1800" b="1" dirty="0">
+              <a:rPr lang="en-US" sz="2400" b="1" dirty="0">
                 <a:solidFill>
                   <a:srgbClr val="C00000"/>
                 </a:solidFill>
@@ -4834,78 +4831,7 @@
             <a:pPr marL="0" indent="0">
               <a:buNone/>
             </a:pPr>
-            <a:r>
-              <a:rPr lang="en-US" sz="1800" b="1" dirty="0">
-                <a:effectLst>
-                  <a:outerShdw blurRad="38100" dist="38100" dir="2700000" algn="tl">
-                    <a:srgbClr val="000000">
-                      <a:alpha val="43137"/>
-                    </a:srgbClr>
-                  </a:outerShdw>
-                </a:effectLst>
-                <a:latin typeface="Courier" charset="0"/>
-                <a:ea typeface="Courier" charset="0"/>
-                <a:cs typeface="Courier" charset="0"/>
-              </a:rPr>
-              <a:t>ptr2 = &amp;s1; </a:t>
-            </a:r>
-            <a:r>
-              <a:rPr lang="en-US" sz="1800" b="1" dirty="0">
-                <a:solidFill>
-                  <a:srgbClr val="C00000"/>
-                </a:solidFill>
-                <a:effectLst>
-                  <a:outerShdw blurRad="38100" dist="38100" dir="2700000" algn="tl">
-                    <a:srgbClr val="000000">
-                      <a:alpha val="43137"/>
-                    </a:srgbClr>
-                  </a:outerShdw>
-                </a:effectLst>
-                <a:latin typeface="Courier" charset="0"/>
-                <a:ea typeface="Courier" charset="0"/>
-                <a:cs typeface="Courier" charset="0"/>
-              </a:rPr>
-              <a:t>//pointer to a </a:t>
-            </a:r>
-            <a:r>
-              <a:rPr lang="en-US" sz="1800" b="1" dirty="0" err="1">
-                <a:solidFill>
-                  <a:srgbClr val="C00000"/>
-                </a:solidFill>
-                <a:effectLst>
-                  <a:outerShdw blurRad="38100" dist="38100" dir="2700000" algn="tl">
-                    <a:srgbClr val="000000">
-                      <a:alpha val="43137"/>
-                    </a:srgbClr>
-                  </a:outerShdw>
-                </a:effectLst>
-                <a:latin typeface="Courier" charset="0"/>
-                <a:ea typeface="Courier" charset="0"/>
-                <a:cs typeface="Courier" charset="0"/>
-              </a:rPr>
-              <a:t>struct</a:t>
-            </a:r>
-            <a:endParaRPr lang="en-US" sz="1800" b="1" dirty="0">
-              <a:solidFill>
-                <a:srgbClr val="C00000"/>
-              </a:solidFill>
-              <a:effectLst>
-                <a:outerShdw blurRad="38100" dist="38100" dir="2700000" algn="tl">
-                  <a:srgbClr val="000000">
-                    <a:alpha val="43137"/>
-                  </a:srgbClr>
-                </a:outerShdw>
-              </a:effectLst>
-              <a:latin typeface="Courier" charset="0"/>
-              <a:ea typeface="Courier" charset="0"/>
-              <a:cs typeface="Courier" charset="0"/>
-            </a:endParaRPr>
-          </a:p>
-          <a:p>
-            <a:pPr marL="0" indent="0">
-              <a:buNone/>
-            </a:pPr>
-            <a:endParaRPr lang="en-US" sz="1800" b="1" dirty="0">
+            <a:endParaRPr lang="en-US" sz="2400" b="1" dirty="0">
               <a:solidFill>
                 <a:srgbClr val="0070C0"/>
               </a:solidFill>
@@ -4919,7 +4845,71 @@
               <a:buNone/>
             </a:pPr>
             <a:r>
-              <a:rPr lang="en-US" sz="1800" b="1" dirty="0" err="1">
+              <a:rPr lang="en-US" sz="2400" b="1" dirty="0" err="1">
+                <a:latin typeface="Courier" charset="0"/>
+                <a:ea typeface="Courier" charset="0"/>
+                <a:cs typeface="Courier" charset="0"/>
+              </a:rPr>
+              <a:t>ptr</a:t>
+            </a:r>
+            <a:r>
+              <a:rPr lang="en-US" sz="2400" b="1" dirty="0">
+                <a:latin typeface="Courier" charset="0"/>
+                <a:ea typeface="Courier" charset="0"/>
+                <a:cs typeface="Courier" charset="0"/>
+              </a:rPr>
+              <a:t>++; </a:t>
+            </a:r>
+            <a:r>
+              <a:rPr lang="en-US" sz="2400" b="1" dirty="0">
+                <a:solidFill>
+                  <a:srgbClr val="C00000"/>
+                </a:solidFill>
+                <a:latin typeface="Courier" charset="0"/>
+                <a:ea typeface="Courier" charset="0"/>
+                <a:cs typeface="Courier" charset="0"/>
+              </a:rPr>
+              <a:t>//where is </a:t>
+            </a:r>
+            <a:r>
+              <a:rPr lang="en-US" sz="2400" b="1" dirty="0" err="1">
+                <a:solidFill>
+                  <a:srgbClr val="C00000"/>
+                </a:solidFill>
+                <a:latin typeface="Courier" charset="0"/>
+                <a:ea typeface="Courier" charset="0"/>
+                <a:cs typeface="Courier" charset="0"/>
+              </a:rPr>
+              <a:t>ptr</a:t>
+            </a:r>
+            <a:r>
+              <a:rPr lang="en-US" sz="2400" b="1" dirty="0">
+                <a:solidFill>
+                  <a:srgbClr val="C00000"/>
+                </a:solidFill>
+                <a:latin typeface="Courier" charset="0"/>
+                <a:ea typeface="Courier" charset="0"/>
+                <a:cs typeface="Courier" charset="0"/>
+              </a:rPr>
+              <a:t> pointing to now?</a:t>
+            </a:r>
+          </a:p>
+          <a:p>
+            <a:pPr marL="0" indent="0">
+              <a:buNone/>
+            </a:pPr>
+            <a:endParaRPr lang="en-US" sz="1800" b="1" dirty="0">
+              <a:latin typeface="Courier" charset="0"/>
+              <a:ea typeface="Courier" charset="0"/>
+              <a:cs typeface="Courier" charset="0"/>
+            </a:endParaRPr>
+          </a:p>
+          <a:p>
+            <a:pPr marL="0" indent="0">
+              <a:buNone/>
+            </a:pPr>
+            <a:r>
+              <a:rPr lang="en-US" sz="2400" b="1" dirty="0" err="1">
                 <a:latin typeface="Courier" charset="0"/>
                 <a:ea typeface="Courier" charset="0"/>
                 <a:cs typeface="Courier" charset="0"/>
@@ -4927,7 +4917,7 @@
               <a:t>strncpy</a:t>
             </a:r>
             <a:r>
-              <a:rPr lang="en-US" sz="1800" b="1" dirty="0">
+              <a:rPr lang="en-US" sz="2400" b="1" dirty="0">
                 <a:latin typeface="Courier" charset="0"/>
                 <a:ea typeface="Courier" charset="0"/>
                 <a:cs typeface="Courier" charset="0"/>
@@ -4935,7 +4925,7 @@
               <a:t>(</a:t>
             </a:r>
             <a:r>
-              <a:rPr lang="en-US" sz="1800" b="1" dirty="0" err="1">
+              <a:rPr lang="en-US" sz="2400" b="1" dirty="0" err="1">
                 <a:latin typeface="Courier" charset="0"/>
                 <a:ea typeface="Courier" charset="0"/>
                 <a:cs typeface="Courier" charset="0"/>
@@ -4943,7 +4933,7 @@
               <a:t>ptr</a:t>
             </a:r>
             <a:r>
-              <a:rPr lang="en-US" sz="1800" b="1" dirty="0">
+              <a:rPr lang="en-US" sz="2400" b="1" dirty="0">
                 <a:latin typeface="Courier" charset="0"/>
                 <a:ea typeface="Courier" charset="0"/>
                 <a:cs typeface="Courier" charset="0"/>
@@ -4951,7 +4941,7 @@
               <a:t>-&gt;Name, “John Doe”, </a:t>
             </a:r>
             <a:r>
-              <a:rPr lang="en-US" sz="1800" b="1" dirty="0" err="1">
+              <a:rPr lang="en-US" sz="2400" b="1" dirty="0" err="1">
                 <a:latin typeface="Courier" charset="0"/>
                 <a:ea typeface="Courier" charset="0"/>
                 <a:cs typeface="Courier" charset="0"/>
@@ -4959,7 +4949,7 @@
               <a:t>sizeof</a:t>
             </a:r>
             <a:r>
-              <a:rPr lang="en-US" sz="1800" b="1" dirty="0">
+              <a:rPr lang="en-US" sz="2400" b="1" dirty="0">
                 <a:latin typeface="Courier" charset="0"/>
                 <a:ea typeface="Courier" charset="0"/>
                 <a:cs typeface="Courier" charset="0"/>
@@ -4972,7 +4962,7 @@
               <a:buNone/>
             </a:pPr>
             <a:r>
-              <a:rPr lang="en-US" sz="1800" b="1" dirty="0" err="1">
+              <a:rPr lang="en-US" sz="2400" b="1" dirty="0" err="1">
                 <a:latin typeface="Courier" charset="0"/>
                 <a:ea typeface="Courier" charset="0"/>
                 <a:cs typeface="Courier" charset="0"/>
@@ -4980,7 +4970,7 @@
               <a:t>ptr</a:t>
             </a:r>
             <a:r>
-              <a:rPr lang="en-US" sz="1800" b="1" dirty="0">
+              <a:rPr lang="en-US" sz="2400" b="1" dirty="0">
                 <a:latin typeface="Courier" charset="0"/>
                 <a:ea typeface="Courier" charset="0"/>
                 <a:cs typeface="Courier" charset="0"/>
@@ -4993,7 +4983,7 @@
               <a:buNone/>
             </a:pPr>
             <a:r>
-              <a:rPr lang="en-US" sz="1800" b="1" dirty="0" err="1">
+              <a:rPr lang="en-US" sz="2400" b="1" dirty="0" err="1">
                 <a:latin typeface="Courier" charset="0"/>
                 <a:ea typeface="Courier" charset="0"/>
                 <a:cs typeface="Courier" charset="0"/>
@@ -5001,7 +4991,7 @@
               <a:t>ptr</a:t>
             </a:r>
             <a:r>
-              <a:rPr lang="en-US" sz="1800" b="1" dirty="0">
+              <a:rPr lang="en-US" sz="2400" b="1" dirty="0">
                 <a:latin typeface="Courier" charset="0"/>
                 <a:ea typeface="Courier" charset="0"/>
                 <a:cs typeface="Courier" charset="0"/>
@@ -5014,7 +5004,7 @@
               <a:buNone/>
             </a:pPr>
             <a:r>
-              <a:rPr lang="en-US" sz="1800" b="1" dirty="0">
+              <a:rPr lang="en-US" sz="2400" b="1" dirty="0">
                 <a:solidFill>
                   <a:srgbClr val="C00000"/>
                 </a:solidFill>
@@ -5024,6 +5014,19 @@
               </a:rPr>
               <a:t>//which student record has been changed?</a:t>
             </a:r>
+          </a:p>
+          <a:p>
+            <a:pPr marL="0" indent="0">
+              <a:buNone/>
+            </a:pPr>
+            <a:endParaRPr lang="en-US" sz="2400" b="1" dirty="0">
+              <a:solidFill>
+                <a:srgbClr val="C00000"/>
+              </a:solidFill>
+              <a:latin typeface="Courier" charset="0"/>
+              <a:ea typeface="Courier" charset="0"/>
+              <a:cs typeface="Courier" charset="0"/>
+            </a:endParaRPr>
           </a:p>
           <a:p>
             <a:pPr marL="0" indent="0">
@@ -5037,131 +5040,6 @@
               <a:ea typeface="Courier" charset="0"/>
               <a:cs typeface="Courier" charset="0"/>
             </a:endParaRPr>
-          </a:p>
-          <a:p>
-            <a:pPr marL="0" indent="0">
-              <a:buNone/>
-            </a:pPr>
-            <a:r>
-              <a:rPr lang="en-US" sz="1800" b="1" dirty="0" err="1">
-                <a:latin typeface="Courier" charset="0"/>
-                <a:ea typeface="Courier" charset="0"/>
-                <a:cs typeface="Courier" charset="0"/>
-              </a:rPr>
-              <a:t>ptr</a:t>
-            </a:r>
-            <a:r>
-              <a:rPr lang="en-US" sz="1800" b="1" dirty="0">
-                <a:latin typeface="Courier" charset="0"/>
-                <a:ea typeface="Courier" charset="0"/>
-                <a:cs typeface="Courier" charset="0"/>
-              </a:rPr>
-              <a:t>++; </a:t>
-            </a:r>
-            <a:r>
-              <a:rPr lang="en-US" sz="1800" b="1" dirty="0">
-                <a:solidFill>
-                  <a:srgbClr val="C00000"/>
-                </a:solidFill>
-                <a:latin typeface="Courier" charset="0"/>
-                <a:ea typeface="Courier" charset="0"/>
-                <a:cs typeface="Courier" charset="0"/>
-              </a:rPr>
-              <a:t>//where is </a:t>
-            </a:r>
-            <a:r>
-              <a:rPr lang="en-US" sz="1800" b="1" dirty="0" err="1">
-                <a:solidFill>
-                  <a:srgbClr val="C00000"/>
-                </a:solidFill>
-                <a:latin typeface="Courier" charset="0"/>
-                <a:ea typeface="Courier" charset="0"/>
-                <a:cs typeface="Courier" charset="0"/>
-              </a:rPr>
-              <a:t>ptr</a:t>
-            </a:r>
-            <a:r>
-              <a:rPr lang="en-US" sz="1800" b="1" dirty="0">
-                <a:solidFill>
-                  <a:srgbClr val="C00000"/>
-                </a:solidFill>
-                <a:latin typeface="Courier" charset="0"/>
-                <a:ea typeface="Courier" charset="0"/>
-                <a:cs typeface="Courier" charset="0"/>
-              </a:rPr>
-              <a:t> pointing to now?</a:t>
-            </a:r>
-          </a:p>
-          <a:p>
-            <a:pPr marL="0" indent="0">
-              <a:buNone/>
-            </a:pPr>
-            <a:endParaRPr lang="en-US" sz="1800" b="1" dirty="0">
-              <a:solidFill>
-                <a:srgbClr val="C00000"/>
-              </a:solidFill>
-              <a:latin typeface="Courier" charset="0"/>
-              <a:ea typeface="Courier" charset="0"/>
-              <a:cs typeface="Courier" charset="0"/>
-            </a:endParaRPr>
-          </a:p>
-          <a:p>
-            <a:pPr marL="0" indent="0">
-              <a:buNone/>
-            </a:pPr>
-            <a:r>
-              <a:rPr lang="en-US" sz="1800" b="1" dirty="0">
-                <a:solidFill>
-                  <a:srgbClr val="C00000"/>
-                </a:solidFill>
-                <a:latin typeface="Courier" charset="0"/>
-                <a:ea typeface="Courier" charset="0"/>
-                <a:cs typeface="Courier" charset="0"/>
-              </a:rPr>
-              <a:t>//What is the difference between the following function calls?</a:t>
-            </a:r>
-          </a:p>
-          <a:p>
-            <a:pPr marL="0" indent="0">
-              <a:buNone/>
-            </a:pPr>
-            <a:r>
-              <a:rPr lang="en-US" sz="1800" b="1" dirty="0" err="1">
-                <a:latin typeface="Courier" charset="0"/>
-                <a:ea typeface="Courier" charset="0"/>
-                <a:cs typeface="Courier" charset="0"/>
-              </a:rPr>
-              <a:t>PrintName</a:t>
-            </a:r>
-            <a:r>
-              <a:rPr lang="en-US" sz="1800" b="1" dirty="0">
-                <a:latin typeface="Courier" charset="0"/>
-                <a:ea typeface="Courier" charset="0"/>
-                <a:cs typeface="Courier" charset="0"/>
-              </a:rPr>
-              <a:t>(s1);</a:t>
-            </a:r>
-          </a:p>
-          <a:p>
-            <a:pPr marL="0" indent="0">
-              <a:buNone/>
-            </a:pPr>
-            <a:r>
-              <a:rPr lang="en-US" sz="1800" b="1" dirty="0" err="1">
-                <a:latin typeface="Courier" charset="0"/>
-                <a:ea typeface="Courier" charset="0"/>
-                <a:cs typeface="Courier" charset="0"/>
-              </a:rPr>
-              <a:t>PrintName</a:t>
-            </a:r>
-            <a:r>
-              <a:rPr lang="en-US" sz="1800" b="1" dirty="0">
-                <a:latin typeface="Courier" charset="0"/>
-                <a:ea typeface="Courier" charset="0"/>
-                <a:cs typeface="Courier" charset="0"/>
-              </a:rPr>
-              <a:t>(&amp;s1);</a:t>
-            </a:r>
           </a:p>
           <a:p>
             <a:pPr marL="0" indent="0">

--- a/Lecture#17/Lecture_17_presentation.pptx
+++ b/Lecture#17/Lecture_17_presentation.pptx
@@ -4602,6 +4602,36 @@
           </a:p>
         </p:txBody>
       </p:sp>
+      <p:pic>
+        <p:nvPicPr>
+          <p:cNvPr id="5" name="Picture 4">
+            <a:extLst>
+              <a:ext uri="{FF2B5EF4-FFF2-40B4-BE49-F238E27FC236}">
+                <a16:creationId xmlns:a16="http://schemas.microsoft.com/office/drawing/2014/main" id="{1DB56588-7B54-41DC-A178-4F8E57317A59}"/>
+              </a:ext>
+            </a:extLst>
+          </p:cNvPr>
+          <p:cNvPicPr>
+            <a:picLocks noChangeAspect="1"/>
+          </p:cNvPicPr>
+          <p:nvPr/>
+        </p:nvPicPr>
+        <p:blipFill>
+          <a:blip r:embed="rId2"/>
+          <a:stretch>
+            <a:fillRect/>
+          </a:stretch>
+        </p:blipFill>
+        <p:spPr>
+          <a:xfrm>
+            <a:off x="5972175" y="2045450"/>
+            <a:ext cx="4086225" cy="1724025"/>
+          </a:xfrm>
+          <a:prstGeom prst="rect">
+            <a:avLst/>
+          </a:prstGeom>
+        </p:spPr>
+      </p:pic>
     </p:spTree>
     <p:extLst>
       <p:ext uri="{BB962C8B-B14F-4D97-AF65-F5344CB8AC3E}">
@@ -4612,6 +4642,81 @@
   <p:clrMapOvr>
     <a:masterClrMapping/>
   </p:clrMapOvr>
+  <p:timing>
+    <p:tnLst>
+      <p:par>
+        <p:cTn id="1" dur="indefinite" restart="never" nodeType="tmRoot">
+          <p:childTnLst>
+            <p:seq concurrent="1" nextAc="seek">
+              <p:cTn id="2" dur="indefinite" nodeType="mainSeq">
+                <p:childTnLst>
+                  <p:par>
+                    <p:cTn id="3" fill="hold">
+                      <p:stCondLst>
+                        <p:cond delay="indefinite"/>
+                      </p:stCondLst>
+                      <p:childTnLst>
+                        <p:par>
+                          <p:cTn id="4" fill="hold">
+                            <p:stCondLst>
+                              <p:cond delay="0"/>
+                            </p:stCondLst>
+                            <p:childTnLst>
+                              <p:par>
+                                <p:cTn id="5" presetID="1" presetClass="entr" presetSubtype="0" fill="hold" nodeType="clickEffect">
+                                  <p:stCondLst>
+                                    <p:cond delay="0"/>
+                                  </p:stCondLst>
+                                  <p:childTnLst>
+                                    <p:set>
+                                      <p:cBhvr>
+                                        <p:cTn id="6" dur="1" fill="hold">
+                                          <p:stCondLst>
+                                            <p:cond delay="0"/>
+                                          </p:stCondLst>
+                                        </p:cTn>
+                                        <p:tgtEl>
+                                          <p:spTgt spid="5"/>
+                                        </p:tgtEl>
+                                        <p:attrNameLst>
+                                          <p:attrName>style.visibility</p:attrName>
+                                        </p:attrNameLst>
+                                      </p:cBhvr>
+                                      <p:to>
+                                        <p:strVal val="visible"/>
+                                      </p:to>
+                                    </p:set>
+                                  </p:childTnLst>
+                                </p:cTn>
+                              </p:par>
+                            </p:childTnLst>
+                          </p:cTn>
+                        </p:par>
+                      </p:childTnLst>
+                    </p:cTn>
+                  </p:par>
+                </p:childTnLst>
+              </p:cTn>
+              <p:prevCondLst>
+                <p:cond evt="onPrev" delay="0">
+                  <p:tgtEl>
+                    <p:sldTgt/>
+                  </p:tgtEl>
+                </p:cond>
+              </p:prevCondLst>
+              <p:nextCondLst>
+                <p:cond evt="onNext" delay="0">
+                  <p:tgtEl>
+                    <p:sldTgt/>
+                  </p:tgtEl>
+                </p:cond>
+              </p:nextCondLst>
+            </p:seq>
+          </p:childTnLst>
+        </p:cTn>
+      </p:par>
+    </p:tnLst>
+  </p:timing>
 </p:sld>
 </file>
 
@@ -5085,6 +5190,36 @@
           </a:p>
         </p:txBody>
       </p:sp>
+      <p:pic>
+        <p:nvPicPr>
+          <p:cNvPr id="5" name="Picture 4">
+            <a:extLst>
+              <a:ext uri="{FF2B5EF4-FFF2-40B4-BE49-F238E27FC236}">
+                <a16:creationId xmlns:a16="http://schemas.microsoft.com/office/drawing/2014/main" id="{038BFF46-E14F-4293-AA6A-52E26D3FF571}"/>
+              </a:ext>
+            </a:extLst>
+          </p:cNvPr>
+          <p:cNvPicPr>
+            <a:picLocks noChangeAspect="1"/>
+          </p:cNvPicPr>
+          <p:nvPr/>
+        </p:nvPicPr>
+        <p:blipFill>
+          <a:blip r:embed="rId2"/>
+          <a:stretch>
+            <a:fillRect/>
+          </a:stretch>
+        </p:blipFill>
+        <p:spPr>
+          <a:xfrm>
+            <a:off x="5876150" y="601143"/>
+            <a:ext cx="4086225" cy="1724025"/>
+          </a:xfrm>
+          <a:prstGeom prst="rect">
+            <a:avLst/>
+          </a:prstGeom>
+        </p:spPr>
+      </p:pic>
     </p:spTree>
     <p:extLst>
       <p:ext uri="{BB962C8B-B14F-4D97-AF65-F5344CB8AC3E}">
@@ -5095,6 +5230,81 @@
   <p:clrMapOvr>
     <a:masterClrMapping/>
   </p:clrMapOvr>
+  <p:timing>
+    <p:tnLst>
+      <p:par>
+        <p:cTn id="1" dur="indefinite" restart="never" nodeType="tmRoot">
+          <p:childTnLst>
+            <p:seq concurrent="1" nextAc="seek">
+              <p:cTn id="2" dur="indefinite" nodeType="mainSeq">
+                <p:childTnLst>
+                  <p:par>
+                    <p:cTn id="3" fill="hold">
+                      <p:stCondLst>
+                        <p:cond delay="indefinite"/>
+                      </p:stCondLst>
+                      <p:childTnLst>
+                        <p:par>
+                          <p:cTn id="4" fill="hold">
+                            <p:stCondLst>
+                              <p:cond delay="0"/>
+                            </p:stCondLst>
+                            <p:childTnLst>
+                              <p:par>
+                                <p:cTn id="5" presetID="1" presetClass="entr" presetSubtype="0" fill="hold" nodeType="clickEffect">
+                                  <p:stCondLst>
+                                    <p:cond delay="0"/>
+                                  </p:stCondLst>
+                                  <p:childTnLst>
+                                    <p:set>
+                                      <p:cBhvr>
+                                        <p:cTn id="6" dur="1" fill="hold">
+                                          <p:stCondLst>
+                                            <p:cond delay="0"/>
+                                          </p:stCondLst>
+                                        </p:cTn>
+                                        <p:tgtEl>
+                                          <p:spTgt spid="5"/>
+                                        </p:tgtEl>
+                                        <p:attrNameLst>
+                                          <p:attrName>style.visibility</p:attrName>
+                                        </p:attrNameLst>
+                                      </p:cBhvr>
+                                      <p:to>
+                                        <p:strVal val="visible"/>
+                                      </p:to>
+                                    </p:set>
+                                  </p:childTnLst>
+                                </p:cTn>
+                              </p:par>
+                            </p:childTnLst>
+                          </p:cTn>
+                        </p:par>
+                      </p:childTnLst>
+                    </p:cTn>
+                  </p:par>
+                </p:childTnLst>
+              </p:cTn>
+              <p:prevCondLst>
+                <p:cond evt="onPrev" delay="0">
+                  <p:tgtEl>
+                    <p:sldTgt/>
+                  </p:tgtEl>
+                </p:cond>
+              </p:prevCondLst>
+              <p:nextCondLst>
+                <p:cond evt="onNext" delay="0">
+                  <p:tgtEl>
+                    <p:sldTgt/>
+                  </p:tgtEl>
+                </p:cond>
+              </p:nextCondLst>
+            </p:seq>
+          </p:childTnLst>
+        </p:cTn>
+      </p:par>
+    </p:tnLst>
+  </p:timing>
 </p:sld>
 </file>
 
